--- a/Section01/Requirement/Requirement.pptx
+++ b/Section01/Requirement/Requirement.pptx
@@ -7538,14 +7538,14 @@
   <p:clrMapOvr>
     <a:masterClrMapping/>
   </p:clrMapOvr>
-  <mc:AlternateContent xmlns:mc="http://schemas.openxmlformats.org/markup-compatibility/2006" xmlns:p14="http://schemas.microsoft.com/office/powerpoint/2010/main">
-    <mc:Choice Requires="p14">
-      <p:transition spd="med" p14:dur="700" advTm="3865">
+  <mc:AlternateContent xmlns:mc="http://schemas.openxmlformats.org/markup-compatibility/2006">
+    <mc:Choice xmlns:p14="http://schemas.microsoft.com/office/powerpoint/2010/main" Requires="p14">
+      <p:transition spd="med" p14:dur="700" advTm="4636">
         <p:fade/>
       </p:transition>
     </mc:Choice>
-    <mc:Fallback xmlns="">
-      <p:transition spd="med" advTm="3865">
+    <mc:Fallback>
+      <p:transition spd="med" advTm="4636">
         <p:fade/>
       </p:transition>
     </mc:Fallback>
@@ -7651,14 +7651,14 @@
   <p:clrMapOvr>
     <a:masterClrMapping/>
   </p:clrMapOvr>
-  <mc:AlternateContent xmlns:mc="http://schemas.openxmlformats.org/markup-compatibility/2006" xmlns:p14="http://schemas.microsoft.com/office/powerpoint/2010/main">
-    <mc:Choice Requires="p14">
-      <p:transition spd="med" p14:dur="700" advTm="4504">
+  <mc:AlternateContent xmlns:mc="http://schemas.openxmlformats.org/markup-compatibility/2006">
+    <mc:Choice xmlns:p14="http://schemas.microsoft.com/office/powerpoint/2010/main" Requires="p14">
+      <p:transition spd="med" p14:dur="700" advTm="4186">
         <p:fade/>
       </p:transition>
     </mc:Choice>
-    <mc:Fallback xmlns="">
-      <p:transition spd="med" advTm="4504">
+    <mc:Fallback>
+      <p:transition spd="med" advTm="4186">
         <p:fade/>
       </p:transition>
     </mc:Fallback>
@@ -7735,14 +7735,14 @@
   <p:clrMapOvr>
     <a:masterClrMapping/>
   </p:clrMapOvr>
-  <mc:AlternateContent xmlns:mc="http://schemas.openxmlformats.org/markup-compatibility/2006" xmlns:p14="http://schemas.microsoft.com/office/powerpoint/2010/main">
-    <mc:Choice Requires="p14">
-      <p:transition spd="med" p14:dur="700" advTm="4964">
+  <mc:AlternateContent xmlns:mc="http://schemas.openxmlformats.org/markup-compatibility/2006">
+    <mc:Choice xmlns:p14="http://schemas.microsoft.com/office/powerpoint/2010/main" Requires="p14">
+      <p:transition spd="med" p14:dur="700" advTm="11614">
         <p:fade/>
       </p:transition>
     </mc:Choice>
-    <mc:Fallback xmlns="">
-      <p:transition spd="med" advTm="4964">
+    <mc:Fallback>
+      <p:transition spd="med" advTm="11614">
         <p:fade/>
       </p:transition>
     </mc:Fallback>
@@ -7856,14 +7856,14 @@
   <p:clrMapOvr>
     <a:masterClrMapping/>
   </p:clrMapOvr>
-  <mc:AlternateContent xmlns:mc="http://schemas.openxmlformats.org/markup-compatibility/2006" xmlns:p14="http://schemas.microsoft.com/office/powerpoint/2010/main">
-    <mc:Choice Requires="p14">
-      <p:transition spd="med" p14:dur="700" advTm="4504">
+  <mc:AlternateContent xmlns:mc="http://schemas.openxmlformats.org/markup-compatibility/2006">
+    <mc:Choice xmlns:p14="http://schemas.microsoft.com/office/powerpoint/2010/main" Requires="p14">
+      <p:transition spd="med" p14:dur="700" advTm="9533">
         <p:fade/>
       </p:transition>
     </mc:Choice>
-    <mc:Fallback xmlns="">
-      <p:transition spd="med" advTm="4504">
+    <mc:Fallback>
+      <p:transition spd="med" advTm="9533">
         <p:fade/>
       </p:transition>
     </mc:Fallback>
@@ -8449,14 +8449,14 @@
   <p:clrMapOvr>
     <a:masterClrMapping/>
   </p:clrMapOvr>
-  <mc:AlternateContent xmlns:mc="http://schemas.openxmlformats.org/markup-compatibility/2006" xmlns:p14="http://schemas.microsoft.com/office/powerpoint/2010/main">
-    <mc:Choice Requires="p14">
-      <p:transition spd="med" p14:dur="700" advTm="4964">
+  <mc:AlternateContent xmlns:mc="http://schemas.openxmlformats.org/markup-compatibility/2006">
+    <mc:Choice xmlns:p14="http://schemas.microsoft.com/office/powerpoint/2010/main" Requires="p14">
+      <p:transition spd="med" p14:dur="700" advTm="9050">
         <p:fade/>
       </p:transition>
     </mc:Choice>
-    <mc:Fallback xmlns="">
-      <p:transition spd="med" advTm="4964">
+    <mc:Fallback>
+      <p:transition spd="med" advTm="9050">
         <p:fade/>
       </p:transition>
     </mc:Fallback>
@@ -8499,13 +8499,13 @@
         </p:nvSpPr>
         <p:spPr>
           <a:xfrm>
-            <a:off x="2560934" y="3082910"/>
-            <a:ext cx="7070132" cy="1187533"/>
+            <a:off x="2225671" y="3017884"/>
+            <a:ext cx="7740657" cy="1401541"/>
           </a:xfrm>
         </p:spPr>
         <p:txBody>
           <a:bodyPr anchor="t" anchorCtr="0">
-            <a:normAutofit/>
+            <a:normAutofit fontScale="90000"/>
           </a:bodyPr>
           <a:lstStyle/>
           <a:p>
@@ -8521,7 +8521,7 @@
                 <a:ea typeface="Segoe UI Black" panose="020B0A02040204020203" pitchFamily="34" charset="0"/>
                 <a:cs typeface="Segoe UI" panose="020B0502040204020203" pitchFamily="34" charset="0"/>
               </a:rPr>
-              <a:t>Para completar la instalación y configuración de las herramientas computacionales requeridas, consulta la guía de clase de esta actividad </a:t>
+              <a:t>Para completar la instalación y configuración de las herramientas computacionales requeridas, consulta la guía de clase en GitHub a través del link disponible en la descripción </a:t>
             </a:r>
             <a:endParaRPr lang="es-CO" sz="2400" i="1" dirty="0">
               <a:solidFill>
@@ -8582,14 +8582,14 @@
   <p:clrMapOvr>
     <a:masterClrMapping/>
   </p:clrMapOvr>
-  <mc:AlternateContent xmlns:mc="http://schemas.openxmlformats.org/markup-compatibility/2006" xmlns:p14="http://schemas.microsoft.com/office/powerpoint/2010/main">
-    <mc:Choice Requires="p14">
-      <p:transition spd="med" p14:dur="700" advTm="3959">
+  <mc:AlternateContent xmlns:mc="http://schemas.openxmlformats.org/markup-compatibility/2006">
+    <mc:Choice xmlns:p14="http://schemas.microsoft.com/office/powerpoint/2010/main" Requires="p14">
+      <p:transition spd="med" p14:dur="700" advTm="8138">
         <p:fade/>
       </p:transition>
     </mc:Choice>
-    <mc:Fallback xmlns="">
-      <p:transition spd="med" advTm="3959">
+    <mc:Fallback>
+      <p:transition spd="med" advTm="8138">
         <p:fade/>
       </p:transition>
     </mc:Fallback>
@@ -8733,14 +8733,14 @@
   <p:clrMapOvr>
     <a:masterClrMapping/>
   </p:clrMapOvr>
-  <mc:AlternateContent xmlns:mc="http://schemas.openxmlformats.org/markup-compatibility/2006" xmlns:p14="http://schemas.microsoft.com/office/powerpoint/2010/main">
-    <mc:Choice Requires="p14">
-      <p:transition spd="med" p14:dur="700" advTm="5548">
+  <mc:AlternateContent xmlns:mc="http://schemas.openxmlformats.org/markup-compatibility/2006">
+    <mc:Choice xmlns:p14="http://schemas.microsoft.com/office/powerpoint/2010/main" Requires="p14">
+      <p:transition spd="med" p14:dur="700" advTm="7253">
         <p:fade/>
       </p:transition>
     </mc:Choice>
-    <mc:Fallback xmlns="">
-      <p:transition spd="med" advTm="5548">
+    <mc:Fallback>
+      <p:transition spd="med" advTm="7253">
         <p:fade/>
       </p:transition>
     </mc:Fallback>
@@ -8984,14 +8984,14 @@
   <p:clrMapOvr>
     <a:masterClrMapping/>
   </p:clrMapOvr>
-  <mc:AlternateContent xmlns:mc="http://schemas.openxmlformats.org/markup-compatibility/2006" xmlns:p14="http://schemas.microsoft.com/office/powerpoint/2010/main">
-    <mc:Choice Requires="p14">
-      <p:transition spd="med" p14:dur="700" advTm="2027">
+  <mc:AlternateContent xmlns:mc="http://schemas.openxmlformats.org/markup-compatibility/2006">
+    <mc:Choice xmlns:p14="http://schemas.microsoft.com/office/powerpoint/2010/main" Requires="p14">
+      <p:transition spd="med" p14:dur="700" advTm="5391">
         <p:fade/>
       </p:transition>
     </mc:Choice>
-    <mc:Fallback xmlns="">
-      <p:transition spd="med" advTm="2027">
+    <mc:Fallback>
+      <p:transition spd="med" advTm="5391">
         <p:fade/>
       </p:transition>
     </mc:Fallback>
@@ -10756,8 +10756,8 @@
         </p:nvGrpSpPr>
         <p:grpSpPr>
           <a:xfrm>
-            <a:off x="7555467" y="4886736"/>
-            <a:ext cx="2528431" cy="615195"/>
+            <a:off x="7754424" y="4731880"/>
+            <a:ext cx="2301770" cy="560046"/>
             <a:chOff x="3314429" y="1252392"/>
             <a:chExt cx="4522476" cy="1100368"/>
           </a:xfrm>
@@ -12841,14 +12841,14 @@
   <p:clrMapOvr>
     <a:masterClrMapping/>
   </p:clrMapOvr>
-  <mc:AlternateContent xmlns:mc="http://schemas.openxmlformats.org/markup-compatibility/2006" xmlns:p14="http://schemas.microsoft.com/office/powerpoint/2010/main">
-    <mc:Choice Requires="p14">
-      <p:transition spd="med" p14:dur="700" advTm="6241">
+  <mc:AlternateContent xmlns:mc="http://schemas.openxmlformats.org/markup-compatibility/2006">
+    <mc:Choice xmlns:p14="http://schemas.microsoft.com/office/powerpoint/2010/main" Requires="p14">
+      <p:transition spd="med" p14:dur="700" advTm="10092">
         <p:fade/>
       </p:transition>
     </mc:Choice>
-    <mc:Fallback xmlns="">
-      <p:transition spd="med" advTm="6241">
+    <mc:Fallback>
+      <p:transition spd="med" advTm="10092">
         <p:fade/>
       </p:transition>
     </mc:Fallback>
@@ -12954,14 +12954,14 @@
   <p:clrMapOvr>
     <a:masterClrMapping/>
   </p:clrMapOvr>
-  <mc:AlternateContent xmlns:mc="http://schemas.openxmlformats.org/markup-compatibility/2006" xmlns:p14="http://schemas.microsoft.com/office/powerpoint/2010/main">
-    <mc:Choice Requires="p14">
-      <p:transition spd="med" p14:dur="700" advTm="4504">
+  <mc:AlternateContent xmlns:mc="http://schemas.openxmlformats.org/markup-compatibility/2006">
+    <mc:Choice xmlns:p14="http://schemas.microsoft.com/office/powerpoint/2010/main" Requires="p14">
+      <p:transition spd="med" p14:dur="700" advTm="5822">
         <p:fade/>
       </p:transition>
     </mc:Choice>
-    <mc:Fallback xmlns="">
-      <p:transition spd="med" advTm="4504">
+    <mc:Fallback>
+      <p:transition spd="med" advTm="5822">
         <p:fade/>
       </p:transition>
     </mc:Fallback>
@@ -13594,14 +13594,14 @@
   <p:clrMapOvr>
     <a:masterClrMapping/>
   </p:clrMapOvr>
-  <mc:AlternateContent xmlns:mc="http://schemas.openxmlformats.org/markup-compatibility/2006" xmlns:p14="http://schemas.microsoft.com/office/powerpoint/2010/main">
-    <mc:Choice Requires="p14">
-      <p:transition spd="med" p14:dur="700" advTm="4964">
+  <mc:AlternateContent xmlns:mc="http://schemas.openxmlformats.org/markup-compatibility/2006">
+    <mc:Choice xmlns:p14="http://schemas.microsoft.com/office/powerpoint/2010/main" Requires="p14">
+      <p:transition spd="med" p14:dur="700" advTm="11302">
         <p:fade/>
       </p:transition>
     </mc:Choice>
-    <mc:Fallback xmlns="">
-      <p:transition spd="med" advTm="4964">
+    <mc:Fallback>
+      <p:transition spd="med" advTm="11302">
         <p:fade/>
       </p:transition>
     </mc:Fallback>
@@ -13707,14 +13707,14 @@
   <p:clrMapOvr>
     <a:masterClrMapping/>
   </p:clrMapOvr>
-  <mc:AlternateContent xmlns:mc="http://schemas.openxmlformats.org/markup-compatibility/2006" xmlns:p14="http://schemas.microsoft.com/office/powerpoint/2010/main">
-    <mc:Choice Requires="p14">
-      <p:transition spd="med" p14:dur="700" advTm="4504">
+  <mc:AlternateContent xmlns:mc="http://schemas.openxmlformats.org/markup-compatibility/2006">
+    <mc:Choice xmlns:p14="http://schemas.microsoft.com/office/powerpoint/2010/main" Requires="p14">
+      <p:transition spd="med" p14:dur="700" advTm="3911">
         <p:fade/>
       </p:transition>
     </mc:Choice>
-    <mc:Fallback xmlns="">
-      <p:transition spd="med" advTm="4504">
+    <mc:Fallback>
+      <p:transition spd="med" advTm="3911">
         <p:fade/>
       </p:transition>
     </mc:Fallback>
@@ -13964,14 +13964,14 @@
   <p:clrMapOvr>
     <a:masterClrMapping/>
   </p:clrMapOvr>
-  <mc:AlternateContent xmlns:mc="http://schemas.openxmlformats.org/markup-compatibility/2006" xmlns:p14="http://schemas.microsoft.com/office/powerpoint/2010/main">
-    <mc:Choice Requires="p14">
-      <p:transition spd="med" p14:dur="700" advTm="4964">
+  <mc:AlternateContent xmlns:mc="http://schemas.openxmlformats.org/markup-compatibility/2006">
+    <mc:Choice xmlns:p14="http://schemas.microsoft.com/office/powerpoint/2010/main" Requires="p14">
+      <p:transition spd="med" p14:dur="700" advTm="5880">
         <p:fade/>
       </p:transition>
     </mc:Choice>
-    <mc:Fallback xmlns="">
-      <p:transition spd="med" advTm="4964">
+    <mc:Fallback>
+      <p:transition spd="med" advTm="5880">
         <p:fade/>
       </p:transition>
     </mc:Fallback>
@@ -14077,14 +14077,14 @@
   <p:clrMapOvr>
     <a:masterClrMapping/>
   </p:clrMapOvr>
-  <mc:AlternateContent xmlns:mc="http://schemas.openxmlformats.org/markup-compatibility/2006" xmlns:p14="http://schemas.microsoft.com/office/powerpoint/2010/main">
-    <mc:Choice Requires="p14">
-      <p:transition spd="med" p14:dur="700" advTm="4504">
+  <mc:AlternateContent xmlns:mc="http://schemas.openxmlformats.org/markup-compatibility/2006">
+    <mc:Choice xmlns:p14="http://schemas.microsoft.com/office/powerpoint/2010/main" Requires="p14">
+      <p:transition spd="med" p14:dur="700" advTm="4784">
         <p:fade/>
       </p:transition>
     </mc:Choice>
-    <mc:Fallback xmlns="">
-      <p:transition spd="med" advTm="4504">
+    <mc:Fallback>
+      <p:transition spd="med" advTm="4784">
         <p:fade/>
       </p:transition>
     </mc:Fallback>
@@ -14394,14 +14394,14 @@
   <p:clrMapOvr>
     <a:masterClrMapping/>
   </p:clrMapOvr>
-  <mc:AlternateContent xmlns:mc="http://schemas.openxmlformats.org/markup-compatibility/2006" xmlns:p14="http://schemas.microsoft.com/office/powerpoint/2010/main">
-    <mc:Choice Requires="p14">
-      <p:transition spd="med" p14:dur="700" advTm="4964">
+  <mc:AlternateContent xmlns:mc="http://schemas.openxmlformats.org/markup-compatibility/2006">
+    <mc:Choice xmlns:p14="http://schemas.microsoft.com/office/powerpoint/2010/main" Requires="p14">
+      <p:transition spd="med" p14:dur="700" advTm="7638">
         <p:fade/>
       </p:transition>
     </mc:Choice>
-    <mc:Fallback xmlns="">
-      <p:transition spd="med" advTm="4964">
+    <mc:Fallback>
+      <p:transition spd="med" advTm="7638">
         <p:fade/>
       </p:transition>
     </mc:Fallback>
